--- a/Presentazione/Atsilo2/Luigi/Luigi_PresentazioneFinale - Introduzione.pptx
+++ b/Presentazione/Atsilo2/Luigi/Luigi_PresentazioneFinale - Introduzione.pptx
@@ -5,12 +5,13 @@
     <p:sldMasterId id="2147483684" r:id="rId1"/>
   </p:sldMasterIdLst>
   <p:notesMasterIdLst>
-    <p:notesMasterId r:id="rId5"/>
+    <p:notesMasterId r:id="rId6"/>
   </p:notesMasterIdLst>
   <p:sldIdLst>
     <p:sldId id="256" r:id="rId2"/>
     <p:sldId id="259" r:id="rId3"/>
     <p:sldId id="258" r:id="rId4"/>
+    <p:sldId id="260" r:id="rId5"/>
   </p:sldIdLst>
   <p:sldSz cx="9144000" cy="6858000" type="screen4x3"/>
   <p:notesSz cx="6858000" cy="9144000"/>
@@ -4370,7 +4371,7 @@
         </p:nvGraphicFramePr>
         <p:xfrm>
           <a:off x="29313" y="5042215"/>
-          <a:ext cx="2051720" cy="1981200"/>
+          <a:ext cx="2051720" cy="1815785"/>
         </p:xfrm>
         <a:graphic>
           <a:graphicData uri="http://schemas.openxmlformats.org/drawingml/2006/table">
@@ -4538,7 +4539,7 @@
         </p:nvGraphicFramePr>
         <p:xfrm>
           <a:off x="7092280" y="6060793"/>
-          <a:ext cx="2051720" cy="792480"/>
+          <a:ext cx="2051720" cy="726314"/>
         </p:xfrm>
         <a:graphic>
           <a:graphicData uri="http://schemas.openxmlformats.org/drawingml/2006/table">
@@ -4958,6 +4959,13 @@
   <p:clrMapOvr>
     <a:masterClrMapping/>
   </p:clrMapOvr>
+  <p:timing>
+    <p:tnLst>
+      <p:par>
+        <p:cTn id="1" dur="indefinite" restart="never" nodeType="tmRoot"/>
+      </p:par>
+    </p:tnLst>
+  </p:timing>
 </p:sld>
 </file>
 
@@ -5258,9 +5266,6 @@
               </a:rPr>
               <a:t>Diagramma sottosistema</a:t>
             </a:r>
-            <a:endParaRPr lang="it-IT" sz="4000" b="1" dirty="0" smtClean="0">
-              <a:latin typeface="+mj-lt"/>
-            </a:endParaRPr>
           </a:p>
           <a:p>
             <a:pPr algn="ctr"/>
@@ -5288,6 +5293,73 @@
       <p:transition spd="slow"/>
     </mc:Fallback>
   </mc:AlternateContent>
+  <p:timing>
+    <p:tnLst>
+      <p:par>
+        <p:cTn id="1" dur="indefinite" restart="never" nodeType="tmRoot"/>
+      </p:par>
+    </p:tnLst>
+  </p:timing>
+</p:sld>
+</file>
+
+<file path=ppt/slides/slide4.xml><?xml version="1.0" encoding="utf-8"?>
+<p:sld xmlns:a="http://schemas.openxmlformats.org/drawingml/2006/main" xmlns:r="http://schemas.openxmlformats.org/officeDocument/2006/relationships" xmlns:p="http://schemas.openxmlformats.org/presentationml/2006/main">
+  <p:cSld>
+    <p:spTree>
+      <p:nvGrpSpPr>
+        <p:cNvPr id="1" name=""/>
+        <p:cNvGrpSpPr/>
+        <p:nvPr/>
+      </p:nvGrpSpPr>
+      <p:grpSpPr>
+        <a:xfrm>
+          <a:off x="0" y="0"/>
+          <a:ext cx="0" cy="0"/>
+          <a:chOff x="0" y="0"/>
+          <a:chExt cx="0" cy="0"/>
+        </a:xfrm>
+      </p:grpSpPr>
+      <p:pic>
+        <p:nvPicPr>
+          <p:cNvPr id="5" name="Immagine 4"/>
+          <p:cNvPicPr>
+            <a:picLocks noChangeAspect="1"/>
+          </p:cNvPicPr>
+          <p:nvPr/>
+        </p:nvPicPr>
+        <p:blipFill>
+          <a:blip r:embed="rId2">
+            <a:extLst>
+              <a:ext uri="{28A0092B-C50C-407E-A947-70E740481C1C}">
+                <a14:useLocalDpi xmlns:a14="http://schemas.microsoft.com/office/drawing/2010/main" val="0"/>
+              </a:ext>
+            </a:extLst>
+          </a:blip>
+          <a:stretch>
+            <a:fillRect/>
+          </a:stretch>
+        </p:blipFill>
+        <p:spPr>
+          <a:xfrm>
+            <a:off x="-108520" y="0"/>
+            <a:ext cx="9433048" cy="6858000"/>
+          </a:xfrm>
+          <a:prstGeom prst="rect">
+            <a:avLst/>
+          </a:prstGeom>
+        </p:spPr>
+      </p:pic>
+    </p:spTree>
+    <p:extLst>
+      <p:ext uri="{BB962C8B-B14F-4D97-AF65-F5344CB8AC3E}">
+        <p14:creationId xmlns:p14="http://schemas.microsoft.com/office/powerpoint/2010/main" val="2658739501"/>
+      </p:ext>
+    </p:extLst>
+  </p:cSld>
+  <p:clrMapOvr>
+    <a:masterClrMapping/>
+  </p:clrMapOvr>
   <p:timing>
     <p:tnLst>
       <p:par>
